--- a/卒研発表用プレゼン/卒研発表用プレゼン.pptx
+++ b/卒研発表用プレゼン/卒研発表用プレゼン.pptx
@@ -7,6 +7,8 @@
   <p:sldIdLst>
     <p:sldId id="256" r:id="rId2"/>
     <p:sldId id="257" r:id="rId3"/>
+    <p:sldId id="258" r:id="rId4"/>
+    <p:sldId id="259" r:id="rId5"/>
   </p:sldIdLst>
   <p:sldSz cx="12192000" cy="6858000"/>
   <p:notesSz cx="6858000" cy="9144000"/>
@@ -105,6 +107,11 @@
       </a:defRPr>
     </a:lvl9pPr>
   </p:defaultTextStyle>
+  <p:extLst>
+    <p:ext uri="{EFAFB233-063F-42B5-8137-9DF3F51BA10A}">
+      <p15:sldGuideLst xmlns:p15="http://schemas.microsoft.com/office/powerpoint/2012/main"/>
+    </p:ext>
+  </p:extLst>
 </p:presentation>
 </file>
 
@@ -3654,6 +3661,553 @@
 </p:sld>
 </file>
 
+<file path=ppt/slides/slide3.xml><?xml version="1.0" encoding="utf-8"?>
+<p:sld xmlns:a="http://schemas.openxmlformats.org/drawingml/2006/main" xmlns:r="http://schemas.openxmlformats.org/officeDocument/2006/relationships" xmlns:p="http://schemas.openxmlformats.org/presentationml/2006/main">
+  <p:cSld>
+    <p:spTree>
+      <p:nvGrpSpPr>
+        <p:cNvPr id="1" name=""/>
+        <p:cNvGrpSpPr/>
+        <p:nvPr/>
+      </p:nvGrpSpPr>
+      <p:grpSpPr>
+        <a:xfrm>
+          <a:off x="0" y="0"/>
+          <a:ext cx="0" cy="0"/>
+          <a:chOff x="0" y="0"/>
+          <a:chExt cx="0" cy="0"/>
+        </a:xfrm>
+      </p:grpSpPr>
+      <p:pic>
+        <p:nvPicPr>
+          <p:cNvPr id="4" name="図 3"/>
+          <p:cNvPicPr>
+            <a:picLocks noChangeAspect="1"/>
+          </p:cNvPicPr>
+          <p:nvPr/>
+        </p:nvPicPr>
+        <p:blipFill>
+          <a:blip r:embed="rId2">
+            <a:extLst>
+              <a:ext uri="{28A0092B-C50C-407E-A947-70E740481C1C}">
+                <a14:useLocalDpi xmlns:a14="http://schemas.microsoft.com/office/drawing/2010/main" val="0"/>
+              </a:ext>
+            </a:extLst>
+          </a:blip>
+          <a:stretch>
+            <a:fillRect/>
+          </a:stretch>
+        </p:blipFill>
+        <p:spPr>
+          <a:xfrm>
+            <a:off x="0" y="0"/>
+            <a:ext cx="12192000" cy="6858000"/>
+          </a:xfrm>
+          <a:prstGeom prst="rect">
+            <a:avLst/>
+          </a:prstGeom>
+        </p:spPr>
+      </p:pic>
+      <p:sp>
+        <p:nvSpPr>
+          <p:cNvPr id="5" name="タイトル 4"/>
+          <p:cNvSpPr>
+            <a:spLocks noGrp="1"/>
+          </p:cNvSpPr>
+          <p:nvPr>
+            <p:ph type="title"/>
+          </p:nvPr>
+        </p:nvSpPr>
+        <p:spPr/>
+        <p:txBody>
+          <a:bodyPr/>
+          <a:lstStyle/>
+          <a:p>
+            <a:r>
+              <a:rPr kumimoji="1" lang="ja-JP" altLang="en-US" dirty="0" smtClean="0">
+                <a:solidFill>
+                  <a:schemeClr val="bg1"/>
+                </a:solidFill>
+              </a:rPr>
+              <a:t>敵</a:t>
+            </a:r>
+            <a:endParaRPr kumimoji="1" lang="ja-JP" altLang="en-US" dirty="0">
+              <a:solidFill>
+                <a:schemeClr val="bg1"/>
+              </a:solidFill>
+            </a:endParaRPr>
+          </a:p>
+        </p:txBody>
+      </p:sp>
+      <p:pic>
+        <p:nvPicPr>
+          <p:cNvPr id="8" name="コンテンツ プレースホルダー 7"/>
+          <p:cNvPicPr>
+            <a:picLocks noGrp="1" noChangeAspect="1"/>
+          </p:cNvPicPr>
+          <p:nvPr>
+            <p:ph sz="half" idx="1"/>
+          </p:nvPr>
+        </p:nvPicPr>
+        <p:blipFill>
+          <a:blip r:embed="rId3">
+            <a:extLst>
+              <a:ext uri="{28A0092B-C50C-407E-A947-70E740481C1C}">
+                <a14:useLocalDpi xmlns:a14="http://schemas.microsoft.com/office/drawing/2010/main" val="0"/>
+              </a:ext>
+            </a:extLst>
+          </a:blip>
+          <a:stretch>
+            <a:fillRect/>
+          </a:stretch>
+        </p:blipFill>
+        <p:spPr>
+          <a:xfrm>
+            <a:off x="838200" y="1690688"/>
+            <a:ext cx="2714897" cy="1981875"/>
+          </a:xfrm>
+        </p:spPr>
+      </p:pic>
+      <p:pic>
+        <p:nvPicPr>
+          <p:cNvPr id="9" name="コンテンツ プレースホルダー 8"/>
+          <p:cNvPicPr>
+            <a:picLocks noGrp="1" noChangeAspect="1"/>
+          </p:cNvPicPr>
+          <p:nvPr>
+            <p:ph sz="half" idx="2"/>
+          </p:nvPr>
+        </p:nvPicPr>
+        <p:blipFill>
+          <a:blip r:embed="rId4">
+            <a:extLst>
+              <a:ext uri="{28A0092B-C50C-407E-A947-70E740481C1C}">
+                <a14:useLocalDpi xmlns:a14="http://schemas.microsoft.com/office/drawing/2010/main" val="0"/>
+              </a:ext>
+            </a:extLst>
+          </a:blip>
+          <a:stretch>
+            <a:fillRect/>
+          </a:stretch>
+        </p:blipFill>
+        <p:spPr>
+          <a:xfrm>
+            <a:off x="1196828" y="3672563"/>
+            <a:ext cx="3194469" cy="2021592"/>
+          </a:xfrm>
+        </p:spPr>
+      </p:pic>
+      <p:pic>
+        <p:nvPicPr>
+          <p:cNvPr id="10" name="図 9"/>
+          <p:cNvPicPr>
+            <a:picLocks noChangeAspect="1"/>
+          </p:cNvPicPr>
+          <p:nvPr/>
+        </p:nvPicPr>
+        <p:blipFill>
+          <a:blip r:embed="rId5">
+            <a:extLst>
+              <a:ext uri="{28A0092B-C50C-407E-A947-70E740481C1C}">
+                <a14:useLocalDpi xmlns:a14="http://schemas.microsoft.com/office/drawing/2010/main" val="0"/>
+              </a:ext>
+            </a:extLst>
+          </a:blip>
+          <a:stretch>
+            <a:fillRect/>
+          </a:stretch>
+        </p:blipFill>
+        <p:spPr>
+          <a:xfrm>
+            <a:off x="3553097" y="1846328"/>
+            <a:ext cx="3676899" cy="2339845"/>
+          </a:xfrm>
+          <a:prstGeom prst="rect">
+            <a:avLst/>
+          </a:prstGeom>
+        </p:spPr>
+      </p:pic>
+      <p:pic>
+        <p:nvPicPr>
+          <p:cNvPr id="11" name="図 10"/>
+          <p:cNvPicPr>
+            <a:picLocks noChangeAspect="1"/>
+          </p:cNvPicPr>
+          <p:nvPr/>
+        </p:nvPicPr>
+        <p:blipFill>
+          <a:blip r:embed="rId6">
+            <a:extLst>
+              <a:ext uri="{28A0092B-C50C-407E-A947-70E740481C1C}">
+                <a14:useLocalDpi xmlns:a14="http://schemas.microsoft.com/office/drawing/2010/main" val="0"/>
+              </a:ext>
+            </a:extLst>
+          </a:blip>
+          <a:stretch>
+            <a:fillRect/>
+          </a:stretch>
+        </p:blipFill>
+        <p:spPr>
+          <a:xfrm>
+            <a:off x="3885021" y="3672563"/>
+            <a:ext cx="3427282" cy="2257974"/>
+          </a:xfrm>
+          <a:prstGeom prst="rect">
+            <a:avLst/>
+          </a:prstGeom>
+        </p:spPr>
+      </p:pic>
+      <p:sp>
+        <p:nvSpPr>
+          <p:cNvPr id="13" name="テキスト ボックス 12"/>
+          <p:cNvSpPr txBox="1"/>
+          <p:nvPr/>
+        </p:nvSpPr>
+        <p:spPr>
+          <a:xfrm>
+            <a:off x="7458892" y="1864335"/>
+            <a:ext cx="4245428" cy="369332"/>
+          </a:xfrm>
+          <a:prstGeom prst="rect">
+            <a:avLst/>
+          </a:prstGeom>
+          <a:noFill/>
+          <a:ln>
+            <a:solidFill>
+              <a:schemeClr val="bg1"/>
+            </a:solidFill>
+          </a:ln>
+        </p:spPr>
+        <p:txBody>
+          <a:bodyPr wrap="square" rtlCol="0">
+            <a:spAutoFit/>
+          </a:bodyPr>
+          <a:lstStyle/>
+          <a:p>
+            <a:r>
+              <a:rPr lang="en-US" altLang="ja-JP" dirty="0" err="1" smtClean="0">
+                <a:solidFill>
+                  <a:schemeClr val="bg1"/>
+                </a:solidFill>
+              </a:rPr>
+              <a:t>UnityAssetsStore</a:t>
+            </a:r>
+            <a:r>
+              <a:rPr lang="ja-JP" altLang="en-US" dirty="0" smtClean="0">
+                <a:solidFill>
+                  <a:schemeClr val="bg1"/>
+                </a:solidFill>
+              </a:rPr>
+              <a:t>の</a:t>
+            </a:r>
+            <a:r>
+              <a:rPr lang="ja-JP" altLang="en-US" u="sng" dirty="0" smtClean="0">
+                <a:solidFill>
+                  <a:schemeClr val="bg1"/>
+                </a:solidFill>
+              </a:rPr>
+              <a:t>フリ</a:t>
+            </a:r>
+            <a:r>
+              <a:rPr lang="en-US" altLang="ja-JP" u="sng" dirty="0" smtClean="0">
+                <a:solidFill>
+                  <a:schemeClr val="bg1"/>
+                </a:solidFill>
+              </a:rPr>
+              <a:t>-</a:t>
+            </a:r>
+            <a:r>
+              <a:rPr lang="ja-JP" altLang="en-US" u="sng" dirty="0" smtClean="0">
+                <a:solidFill>
+                  <a:schemeClr val="bg1"/>
+                </a:solidFill>
+              </a:rPr>
+              <a:t>素材</a:t>
+            </a:r>
+            <a:endParaRPr kumimoji="1" lang="ja-JP" altLang="en-US" u="sng" dirty="0">
+              <a:solidFill>
+                <a:schemeClr val="bg1"/>
+              </a:solidFill>
+            </a:endParaRPr>
+          </a:p>
+        </p:txBody>
+      </p:sp>
+    </p:spTree>
+    <p:extLst>
+      <p:ext uri="{BB962C8B-B14F-4D97-AF65-F5344CB8AC3E}">
+        <p14:creationId xmlns:p14="http://schemas.microsoft.com/office/powerpoint/2010/main" val="1849365915"/>
+      </p:ext>
+    </p:extLst>
+  </p:cSld>
+  <p:clrMapOvr>
+    <a:masterClrMapping/>
+  </p:clrMapOvr>
+</p:sld>
+</file>
+
+<file path=ppt/slides/slide4.xml><?xml version="1.0" encoding="utf-8"?>
+<p:sld xmlns:a="http://schemas.openxmlformats.org/drawingml/2006/main" xmlns:r="http://schemas.openxmlformats.org/officeDocument/2006/relationships" xmlns:p="http://schemas.openxmlformats.org/presentationml/2006/main">
+  <p:cSld>
+    <p:spTree>
+      <p:nvGrpSpPr>
+        <p:cNvPr id="1" name=""/>
+        <p:cNvGrpSpPr/>
+        <p:nvPr/>
+      </p:nvGrpSpPr>
+      <p:grpSpPr>
+        <a:xfrm>
+          <a:off x="0" y="0"/>
+          <a:ext cx="0" cy="0"/>
+          <a:chOff x="0" y="0"/>
+          <a:chExt cx="0" cy="0"/>
+        </a:xfrm>
+      </p:grpSpPr>
+      <p:pic>
+        <p:nvPicPr>
+          <p:cNvPr id="5" name="図 4"/>
+          <p:cNvPicPr>
+            <a:picLocks noChangeAspect="1"/>
+          </p:cNvPicPr>
+          <p:nvPr/>
+        </p:nvPicPr>
+        <p:blipFill>
+          <a:blip r:embed="rId2">
+            <a:extLst>
+              <a:ext uri="{28A0092B-C50C-407E-A947-70E740481C1C}">
+                <a14:useLocalDpi xmlns:a14="http://schemas.microsoft.com/office/drawing/2010/main" val="0"/>
+              </a:ext>
+            </a:extLst>
+          </a:blip>
+          <a:stretch>
+            <a:fillRect/>
+          </a:stretch>
+        </p:blipFill>
+        <p:spPr>
+          <a:xfrm>
+            <a:off x="0" y="0"/>
+            <a:ext cx="12192000" cy="6858000"/>
+          </a:xfrm>
+          <a:prstGeom prst="rect">
+            <a:avLst/>
+          </a:prstGeom>
+        </p:spPr>
+      </p:pic>
+      <p:sp>
+        <p:nvSpPr>
+          <p:cNvPr id="2" name="タイトル 1"/>
+          <p:cNvSpPr>
+            <a:spLocks noGrp="1"/>
+          </p:cNvSpPr>
+          <p:nvPr>
+            <p:ph type="title"/>
+          </p:nvPr>
+        </p:nvSpPr>
+        <p:spPr/>
+        <p:txBody>
+          <a:bodyPr/>
+          <a:lstStyle/>
+          <a:p>
+            <a:r>
+              <a:rPr kumimoji="1" lang="ja-JP" altLang="en-US" dirty="0" smtClean="0">
+                <a:solidFill>
+                  <a:schemeClr val="bg1"/>
+                </a:solidFill>
+              </a:rPr>
+              <a:t>敵</a:t>
+            </a:r>
+            <a:r>
+              <a:rPr lang="ja-JP" altLang="en-US" dirty="0" smtClean="0">
+                <a:solidFill>
+                  <a:schemeClr val="bg1"/>
+                </a:solidFill>
+              </a:rPr>
+              <a:t>の攻撃の判定</a:t>
+            </a:r>
+            <a:endParaRPr kumimoji="1" lang="ja-JP" altLang="en-US" dirty="0">
+              <a:solidFill>
+                <a:schemeClr val="bg1"/>
+              </a:solidFill>
+            </a:endParaRPr>
+          </a:p>
+        </p:txBody>
+      </p:sp>
+      <p:sp>
+        <p:nvSpPr>
+          <p:cNvPr id="8" name="正方形/長方形 7"/>
+          <p:cNvSpPr/>
+          <p:nvPr/>
+        </p:nvSpPr>
+        <p:spPr>
+          <a:xfrm>
+            <a:off x="1071155" y="2756262"/>
+            <a:ext cx="2821577" cy="1345475"/>
+          </a:xfrm>
+          <a:prstGeom prst="rect">
+            <a:avLst/>
+          </a:prstGeom>
+        </p:spPr>
+        <p:style>
+          <a:lnRef idx="2">
+            <a:schemeClr val="accent1">
+              <a:shade val="50000"/>
+            </a:schemeClr>
+          </a:lnRef>
+          <a:fillRef idx="1">
+            <a:schemeClr val="accent1"/>
+          </a:fillRef>
+          <a:effectRef idx="0">
+            <a:schemeClr val="accent1"/>
+          </a:effectRef>
+          <a:fontRef idx="minor">
+            <a:schemeClr val="lt1"/>
+          </a:fontRef>
+        </p:style>
+        <p:txBody>
+          <a:bodyPr rtlCol="0" anchor="ctr"/>
+          <a:lstStyle/>
+          <a:p>
+            <a:pPr algn="ctr"/>
+            <a:r>
+              <a:rPr kumimoji="1" lang="ja-JP" altLang="en-US" sz="2800" dirty="0" smtClean="0"/>
+              <a:t>頭のボーン座標</a:t>
+            </a:r>
+            <a:endParaRPr kumimoji="1" lang="ja-JP" altLang="en-US" sz="2800" dirty="0"/>
+          </a:p>
+        </p:txBody>
+      </p:sp>
+      <p:sp>
+        <p:nvSpPr>
+          <p:cNvPr id="9" name="正方形/長方形 8"/>
+          <p:cNvSpPr/>
+          <p:nvPr/>
+        </p:nvSpPr>
+        <p:spPr>
+          <a:xfrm>
+            <a:off x="6805750" y="2756262"/>
+            <a:ext cx="3644536" cy="1345475"/>
+          </a:xfrm>
+          <a:prstGeom prst="rect">
+            <a:avLst/>
+          </a:prstGeom>
+        </p:spPr>
+        <p:style>
+          <a:lnRef idx="2">
+            <a:schemeClr val="accent1">
+              <a:shade val="50000"/>
+            </a:schemeClr>
+          </a:lnRef>
+          <a:fillRef idx="1">
+            <a:schemeClr val="accent1"/>
+          </a:fillRef>
+          <a:effectRef idx="0">
+            <a:schemeClr val="accent1"/>
+          </a:effectRef>
+          <a:fontRef idx="minor">
+            <a:schemeClr val="lt1"/>
+          </a:fontRef>
+        </p:style>
+        <p:txBody>
+          <a:bodyPr rtlCol="0" anchor="ctr"/>
+          <a:lstStyle/>
+          <a:p>
+            <a:pPr algn="ctr"/>
+            <a:r>
+              <a:rPr lang="ja-JP" altLang="en-US" sz="2800" dirty="0" smtClean="0"/>
+              <a:t>プレイヤーの</a:t>
+            </a:r>
+            <a:r>
+              <a:rPr kumimoji="1" lang="ja-JP" altLang="en-US" sz="2800" dirty="0" smtClean="0"/>
+              <a:t>座標</a:t>
+            </a:r>
+            <a:endParaRPr kumimoji="1" lang="ja-JP" altLang="en-US" sz="2800" dirty="0"/>
+          </a:p>
+        </p:txBody>
+      </p:sp>
+      <p:cxnSp>
+        <p:nvCxnSpPr>
+          <p:cNvPr id="11" name="直線矢印コネクタ 10"/>
+          <p:cNvCxnSpPr/>
+          <p:nvPr/>
+        </p:nvCxnSpPr>
+        <p:spPr>
+          <a:xfrm>
+            <a:off x="4114800" y="3435531"/>
+            <a:ext cx="2429691" cy="0"/>
+          </a:xfrm>
+          <a:prstGeom prst="straightConnector1">
+            <a:avLst/>
+          </a:prstGeom>
+          <a:ln w="76200">
+            <a:headEnd type="triangle"/>
+            <a:tailEnd type="triangle"/>
+          </a:ln>
+        </p:spPr>
+        <p:style>
+          <a:lnRef idx="1">
+            <a:schemeClr val="accent2"/>
+          </a:lnRef>
+          <a:fillRef idx="0">
+            <a:schemeClr val="accent2"/>
+          </a:fillRef>
+          <a:effectRef idx="0">
+            <a:schemeClr val="accent2"/>
+          </a:effectRef>
+          <a:fontRef idx="minor">
+            <a:schemeClr val="tx1"/>
+          </a:fontRef>
+        </p:style>
+      </p:cxnSp>
+      <p:sp>
+        <p:nvSpPr>
+          <p:cNvPr id="12" name="テキスト ボックス 11"/>
+          <p:cNvSpPr txBox="1"/>
+          <p:nvPr/>
+        </p:nvSpPr>
+        <p:spPr>
+          <a:xfrm>
+            <a:off x="4114800" y="4101737"/>
+            <a:ext cx="2573383" cy="923330"/>
+          </a:xfrm>
+          <a:prstGeom prst="rect">
+            <a:avLst/>
+          </a:prstGeom>
+          <a:noFill/>
+        </p:spPr>
+        <p:txBody>
+          <a:bodyPr wrap="square" rtlCol="0">
+            <a:spAutoFit/>
+          </a:bodyPr>
+          <a:lstStyle/>
+          <a:p>
+            <a:r>
+              <a:rPr lang="ja-JP" altLang="en-US" dirty="0" smtClean="0">
+                <a:solidFill>
+                  <a:schemeClr val="bg1"/>
+                </a:solidFill>
+              </a:rPr>
+              <a:t>この距離が一定以下になったら攻撃の判定が入る。</a:t>
+            </a:r>
+            <a:endParaRPr kumimoji="1" lang="ja-JP" altLang="en-US" dirty="0">
+              <a:solidFill>
+                <a:schemeClr val="bg1"/>
+              </a:solidFill>
+            </a:endParaRPr>
+          </a:p>
+        </p:txBody>
+      </p:sp>
+    </p:spTree>
+    <p:extLst>
+      <p:ext uri="{BB962C8B-B14F-4D97-AF65-F5344CB8AC3E}">
+        <p14:creationId xmlns:p14="http://schemas.microsoft.com/office/powerpoint/2010/main" val="167546398"/>
+      </p:ext>
+    </p:extLst>
+  </p:cSld>
+  <p:clrMapOvr>
+    <a:masterClrMapping/>
+  </p:clrMapOvr>
+</p:sld>
+</file>
+
 <file path=ppt/theme/theme1.xml><?xml version="1.0" encoding="utf-8"?>
 <a:theme xmlns:a="http://schemas.openxmlformats.org/drawingml/2006/main" name="Office テーマ">
   <a:themeElements>

--- a/卒研発表用プレゼン/卒研発表用プレゼン.pptx
+++ b/卒研発表用プレゼン/卒研発表用プレゼン.pptx
@@ -6,9 +6,11 @@
   </p:sldMasterIdLst>
   <p:sldIdLst>
     <p:sldId id="256" r:id="rId2"/>
-    <p:sldId id="257" r:id="rId3"/>
-    <p:sldId id="258" r:id="rId4"/>
-    <p:sldId id="259" r:id="rId5"/>
+    <p:sldId id="261" r:id="rId3"/>
+    <p:sldId id="257" r:id="rId4"/>
+    <p:sldId id="258" r:id="rId5"/>
+    <p:sldId id="259" r:id="rId6"/>
+    <p:sldId id="260" r:id="rId7"/>
   </p:sldIdLst>
   <p:sldSz cx="12192000" cy="6858000"/>
   <p:notesSz cx="6858000" cy="9144000"/>
@@ -246,7 +248,7 @@
           <a:p>
             <a:fld id="{B9E3A641-FD4A-4135-856C-BA525CEABD08}" type="datetimeFigureOut">
               <a:rPr kumimoji="1" lang="ja-JP" altLang="en-US" smtClean="0"/>
-              <a:t>2021/2/24</a:t>
+              <a:t>2021/2/25</a:t>
             </a:fld>
             <a:endParaRPr kumimoji="1" lang="ja-JP" altLang="en-US"/>
           </a:p>
@@ -448,7 +450,7 @@
           <a:p>
             <a:fld id="{B9E3A641-FD4A-4135-856C-BA525CEABD08}" type="datetimeFigureOut">
               <a:rPr kumimoji="1" lang="ja-JP" altLang="en-US" smtClean="0"/>
-              <a:t>2021/2/24</a:t>
+              <a:t>2021/2/25</a:t>
             </a:fld>
             <a:endParaRPr kumimoji="1" lang="ja-JP" altLang="en-US"/>
           </a:p>
@@ -660,7 +662,7 @@
           <a:p>
             <a:fld id="{B9E3A641-FD4A-4135-856C-BA525CEABD08}" type="datetimeFigureOut">
               <a:rPr kumimoji="1" lang="ja-JP" altLang="en-US" smtClean="0"/>
-              <a:t>2021/2/24</a:t>
+              <a:t>2021/2/25</a:t>
             </a:fld>
             <a:endParaRPr kumimoji="1" lang="ja-JP" altLang="en-US"/>
           </a:p>
@@ -862,7 +864,7 @@
           <a:p>
             <a:fld id="{B9E3A641-FD4A-4135-856C-BA525CEABD08}" type="datetimeFigureOut">
               <a:rPr kumimoji="1" lang="ja-JP" altLang="en-US" smtClean="0"/>
-              <a:t>2021/2/24</a:t>
+              <a:t>2021/2/25</a:t>
             </a:fld>
             <a:endParaRPr kumimoji="1" lang="ja-JP" altLang="en-US"/>
           </a:p>
@@ -1108,7 +1110,7 @@
           <a:p>
             <a:fld id="{B9E3A641-FD4A-4135-856C-BA525CEABD08}" type="datetimeFigureOut">
               <a:rPr kumimoji="1" lang="ja-JP" altLang="en-US" smtClean="0"/>
-              <a:t>2021/2/24</a:t>
+              <a:t>2021/2/25</a:t>
             </a:fld>
             <a:endParaRPr kumimoji="1" lang="ja-JP" altLang="en-US"/>
           </a:p>
@@ -1404,7 +1406,7 @@
           <a:p>
             <a:fld id="{B9E3A641-FD4A-4135-856C-BA525CEABD08}" type="datetimeFigureOut">
               <a:rPr kumimoji="1" lang="ja-JP" altLang="en-US" smtClean="0"/>
-              <a:t>2021/2/24</a:t>
+              <a:t>2021/2/25</a:t>
             </a:fld>
             <a:endParaRPr kumimoji="1" lang="ja-JP" altLang="en-US"/>
           </a:p>
@@ -1835,7 +1837,7 @@
           <a:p>
             <a:fld id="{B9E3A641-FD4A-4135-856C-BA525CEABD08}" type="datetimeFigureOut">
               <a:rPr kumimoji="1" lang="ja-JP" altLang="en-US" smtClean="0"/>
-              <a:t>2021/2/24</a:t>
+              <a:t>2021/2/25</a:t>
             </a:fld>
             <a:endParaRPr kumimoji="1" lang="ja-JP" altLang="en-US"/>
           </a:p>
@@ -1953,7 +1955,7 @@
           <a:p>
             <a:fld id="{B9E3A641-FD4A-4135-856C-BA525CEABD08}" type="datetimeFigureOut">
               <a:rPr kumimoji="1" lang="ja-JP" altLang="en-US" smtClean="0"/>
-              <a:t>2021/2/24</a:t>
+              <a:t>2021/2/25</a:t>
             </a:fld>
             <a:endParaRPr kumimoji="1" lang="ja-JP" altLang="en-US"/>
           </a:p>
@@ -2048,7 +2050,7 @@
           <a:p>
             <a:fld id="{B9E3A641-FD4A-4135-856C-BA525CEABD08}" type="datetimeFigureOut">
               <a:rPr kumimoji="1" lang="ja-JP" altLang="en-US" smtClean="0"/>
-              <a:t>2021/2/24</a:t>
+              <a:t>2021/2/25</a:t>
             </a:fld>
             <a:endParaRPr kumimoji="1" lang="ja-JP" altLang="en-US"/>
           </a:p>
@@ -2357,7 +2359,7 @@
           <a:p>
             <a:fld id="{B9E3A641-FD4A-4135-856C-BA525CEABD08}" type="datetimeFigureOut">
               <a:rPr kumimoji="1" lang="ja-JP" altLang="en-US" smtClean="0"/>
-              <a:t>2021/2/24</a:t>
+              <a:t>2021/2/25</a:t>
             </a:fld>
             <a:endParaRPr kumimoji="1" lang="ja-JP" altLang="en-US"/>
           </a:p>
@@ -2610,7 +2612,7 @@
           <a:p>
             <a:fld id="{B9E3A641-FD4A-4135-856C-BA525CEABD08}" type="datetimeFigureOut">
               <a:rPr kumimoji="1" lang="ja-JP" altLang="en-US" smtClean="0"/>
-              <a:t>2021/2/24</a:t>
+              <a:t>2021/2/25</a:t>
             </a:fld>
             <a:endParaRPr kumimoji="1" lang="ja-JP" altLang="en-US"/>
           </a:p>
@@ -2855,7 +2857,7 @@
           <a:p>
             <a:fld id="{B9E3A641-FD4A-4135-856C-BA525CEABD08}" type="datetimeFigureOut">
               <a:rPr kumimoji="1" lang="ja-JP" altLang="en-US" smtClean="0"/>
-              <a:t>2021/2/24</a:t>
+              <a:t>2021/2/25</a:t>
             </a:fld>
             <a:endParaRPr kumimoji="1" lang="ja-JP" altLang="en-US"/>
           </a:p>
@@ -3340,10 +3342,206 @@
   <p:clrMapOvr>
     <a:masterClrMapping/>
   </p:clrMapOvr>
+  <p:timing>
+    <p:tnLst>
+      <p:par>
+        <p:cTn id="1" dur="indefinite" restart="never" nodeType="tmRoot"/>
+      </p:par>
+    </p:tnLst>
+  </p:timing>
 </p:sld>
 </file>
 
 <file path=ppt/slides/slide2.xml><?xml version="1.0" encoding="utf-8"?>
+<p:sld xmlns:a="http://schemas.openxmlformats.org/drawingml/2006/main" xmlns:r="http://schemas.openxmlformats.org/officeDocument/2006/relationships" xmlns:p="http://schemas.openxmlformats.org/presentationml/2006/main">
+  <p:cSld>
+    <p:bg>
+      <p:bgPr>
+        <a:blipFill>
+          <a:blip r:embed="rId2"/>
+          <a:tile tx="0" ty="0" sx="100000" sy="100000" flip="none" algn="tl"/>
+        </a:blipFill>
+        <a:effectLst/>
+      </p:bgPr>
+    </p:bg>
+    <p:spTree>
+      <p:nvGrpSpPr>
+        <p:cNvPr id="1" name=""/>
+        <p:cNvGrpSpPr/>
+        <p:nvPr/>
+      </p:nvGrpSpPr>
+      <p:grpSpPr>
+        <a:xfrm>
+          <a:off x="0" y="0"/>
+          <a:ext cx="0" cy="0"/>
+          <a:chOff x="0" y="0"/>
+          <a:chExt cx="0" cy="0"/>
+        </a:xfrm>
+      </p:grpSpPr>
+      <p:sp>
+        <p:nvSpPr>
+          <p:cNvPr id="2" name="タイトル 1"/>
+          <p:cNvSpPr>
+            <a:spLocks noGrp="1"/>
+          </p:cNvSpPr>
+          <p:nvPr>
+            <p:ph type="title"/>
+          </p:nvPr>
+        </p:nvSpPr>
+        <p:spPr/>
+        <p:txBody>
+          <a:bodyPr/>
+          <a:lstStyle/>
+          <a:p>
+            <a:r>
+              <a:rPr kumimoji="1" lang="ja-JP" altLang="en-US" dirty="0" smtClean="0"/>
+              <a:t>作品概要</a:t>
+            </a:r>
+            <a:endParaRPr kumimoji="1" lang="ja-JP" altLang="en-US" dirty="0"/>
+          </a:p>
+        </p:txBody>
+      </p:sp>
+      <p:sp>
+        <p:nvSpPr>
+          <p:cNvPr id="3" name="コンテンツ プレースホルダー 2"/>
+          <p:cNvSpPr>
+            <a:spLocks noGrp="1"/>
+          </p:cNvSpPr>
+          <p:nvPr>
+            <p:ph idx="1"/>
+          </p:nvPr>
+        </p:nvSpPr>
+        <p:spPr/>
+        <p:txBody>
+          <a:bodyPr>
+            <a:normAutofit fontScale="92500" lnSpcReduction="20000"/>
+          </a:bodyPr>
+          <a:lstStyle/>
+          <a:p>
+            <a:r>
+              <a:rPr kumimoji="1" lang="ja-JP" altLang="en-US" dirty="0" smtClean="0"/>
+              <a:t>タイトル</a:t>
+            </a:r>
+            <a:endParaRPr kumimoji="1" lang="en-US" altLang="ja-JP" dirty="0" smtClean="0"/>
+          </a:p>
+          <a:p>
+            <a:pPr marL="0" indent="0">
+              <a:buNone/>
+            </a:pPr>
+            <a:r>
+              <a:rPr kumimoji="1" lang="en-US" altLang="ja-JP" dirty="0" smtClean="0"/>
+              <a:t>FHANYASY</a:t>
+            </a:r>
+            <a:r>
+              <a:rPr kumimoji="1" lang="ja-JP" altLang="en-US" dirty="0" smtClean="0"/>
+              <a:t> </a:t>
+            </a:r>
+            <a:r>
+              <a:rPr kumimoji="1" lang="en-US" altLang="ja-JP" dirty="0" smtClean="0"/>
+              <a:t>STAR</a:t>
+            </a:r>
+            <a:r>
+              <a:rPr kumimoji="1" lang="ja-JP" altLang="en-US" dirty="0" smtClean="0"/>
+              <a:t> </a:t>
+            </a:r>
+            <a:r>
+              <a:rPr kumimoji="1" lang="en-US" altLang="ja-JP" dirty="0" smtClean="0"/>
+              <a:t>OFFLINE</a:t>
+            </a:r>
+          </a:p>
+          <a:p>
+            <a:r>
+              <a:rPr lang="ja-JP" altLang="en-US" dirty="0" smtClean="0"/>
+              <a:t>使用ツール</a:t>
+            </a:r>
+            <a:endParaRPr lang="en-US" altLang="ja-JP" dirty="0" smtClean="0"/>
+          </a:p>
+          <a:p>
+            <a:pPr marL="0" indent="0">
+              <a:buNone/>
+            </a:pPr>
+            <a:r>
+              <a:rPr lang="en-US" altLang="ja-JP" dirty="0"/>
+              <a:t>Microsoft </a:t>
+            </a:r>
+            <a:r>
+              <a:rPr lang="en-US" altLang="ja-JP" dirty="0" smtClean="0"/>
+              <a:t>VisualStudio2019</a:t>
+            </a:r>
+          </a:p>
+          <a:p>
+            <a:pPr marL="0" indent="0">
+              <a:buNone/>
+            </a:pPr>
+            <a:r>
+              <a:rPr lang="en-US" altLang="ja-JP" dirty="0" err="1" smtClean="0"/>
+              <a:t>Git</a:t>
+            </a:r>
+            <a:endParaRPr lang="en-US" altLang="ja-JP" dirty="0" smtClean="0"/>
+          </a:p>
+          <a:p>
+            <a:pPr marL="0" indent="0">
+              <a:buNone/>
+            </a:pPr>
+            <a:r>
+              <a:rPr lang="en-US" altLang="ja-JP" dirty="0" err="1"/>
+              <a:t>FireAlpaca</a:t>
+            </a:r>
+            <a:endParaRPr lang="ja-JP" altLang="ja-JP" dirty="0"/>
+          </a:p>
+          <a:p>
+            <a:pPr marL="0" indent="0">
+              <a:buNone/>
+            </a:pPr>
+            <a:endParaRPr lang="ja-JP" altLang="ja-JP" dirty="0"/>
+          </a:p>
+          <a:p>
+            <a:pPr marL="0" indent="0">
+              <a:buNone/>
+            </a:pPr>
+            <a:endParaRPr kumimoji="1" lang="en-US" altLang="ja-JP" dirty="0" smtClean="0"/>
+          </a:p>
+          <a:p>
+            <a:r>
+              <a:rPr lang="ja-JP" altLang="en-US" dirty="0" smtClean="0"/>
+              <a:t>使用言語</a:t>
+            </a:r>
+            <a:endParaRPr lang="en-US" altLang="ja-JP" dirty="0" smtClean="0"/>
+          </a:p>
+          <a:p>
+            <a:pPr marL="0" indent="0">
+              <a:buNone/>
+            </a:pPr>
+            <a:r>
+              <a:rPr kumimoji="1" lang="en-US" altLang="ja-JP" dirty="0" smtClean="0"/>
+              <a:t>C++</a:t>
+            </a:r>
+          </a:p>
+          <a:p>
+            <a:endParaRPr kumimoji="1" lang="en-US" altLang="ja-JP" dirty="0" smtClean="0"/>
+          </a:p>
+          <a:p>
+            <a:endParaRPr kumimoji="1" lang="en-US" altLang="ja-JP" dirty="0"/>
+          </a:p>
+          <a:p>
+            <a:endParaRPr kumimoji="1" lang="ja-JP" altLang="en-US" dirty="0"/>
+          </a:p>
+        </p:txBody>
+      </p:sp>
+    </p:spTree>
+    <p:extLst>
+      <p:ext uri="{BB962C8B-B14F-4D97-AF65-F5344CB8AC3E}">
+        <p14:creationId xmlns:p14="http://schemas.microsoft.com/office/powerpoint/2010/main" val="428085836"/>
+      </p:ext>
+    </p:extLst>
+  </p:cSld>
+  <p:clrMapOvr>
+    <a:masterClrMapping/>
+  </p:clrMapOvr>
+</p:sld>
+</file>
+
+<file path=ppt/slides/slide3.xml><?xml version="1.0" encoding="utf-8"?>
 <p:sld xmlns:a="http://schemas.openxmlformats.org/drawingml/2006/main" xmlns:r="http://schemas.openxmlformats.org/officeDocument/2006/relationships" xmlns:p="http://schemas.openxmlformats.org/presentationml/2006/main">
   <p:cSld>
     <p:spTree>
@@ -3658,10 +3856,17 @@
   <p:clrMapOvr>
     <a:masterClrMapping/>
   </p:clrMapOvr>
+  <p:timing>
+    <p:tnLst>
+      <p:par>
+        <p:cTn id="1" dur="indefinite" restart="never" nodeType="tmRoot"/>
+      </p:par>
+    </p:tnLst>
+  </p:timing>
 </p:sld>
 </file>
 
-<file path=ppt/slides/slide3.xml><?xml version="1.0" encoding="utf-8"?>
+<file path=ppt/slides/slide4.xml><?xml version="1.0" encoding="utf-8"?>
 <p:sld xmlns:a="http://schemas.openxmlformats.org/drawingml/2006/main" xmlns:r="http://schemas.openxmlformats.org/officeDocument/2006/relationships" xmlns:p="http://schemas.openxmlformats.org/presentationml/2006/main">
   <p:cSld>
     <p:spTree>
@@ -3942,10 +4147,17 @@
   <p:clrMapOvr>
     <a:masterClrMapping/>
   </p:clrMapOvr>
+  <p:timing>
+    <p:tnLst>
+      <p:par>
+        <p:cTn id="1" dur="indefinite" restart="never" nodeType="tmRoot"/>
+      </p:par>
+    </p:tnLst>
+  </p:timing>
 </p:sld>
 </file>
 
-<file path=ppt/slides/slide4.xml><?xml version="1.0" encoding="utf-8"?>
+<file path=ppt/slides/slide5.xml><?xml version="1.0" encoding="utf-8"?>
 <p:sld xmlns:a="http://schemas.openxmlformats.org/drawingml/2006/main" xmlns:r="http://schemas.openxmlformats.org/officeDocument/2006/relationships" xmlns:p="http://schemas.openxmlformats.org/presentationml/2006/main">
   <p:cSld>
     <p:spTree>
@@ -4199,6 +4411,181 @@
     <p:extLst>
       <p:ext uri="{BB962C8B-B14F-4D97-AF65-F5344CB8AC3E}">
         <p14:creationId xmlns:p14="http://schemas.microsoft.com/office/powerpoint/2010/main" val="167546398"/>
+      </p:ext>
+    </p:extLst>
+  </p:cSld>
+  <p:clrMapOvr>
+    <a:masterClrMapping/>
+  </p:clrMapOvr>
+  <p:timing>
+    <p:tnLst>
+      <p:par>
+        <p:cTn id="1" dur="indefinite" restart="never" nodeType="tmRoot"/>
+      </p:par>
+    </p:tnLst>
+  </p:timing>
+</p:sld>
+</file>
+
+<file path=ppt/slides/slide6.xml><?xml version="1.0" encoding="utf-8"?>
+<p:sld xmlns:a="http://schemas.openxmlformats.org/drawingml/2006/main" xmlns:r="http://schemas.openxmlformats.org/officeDocument/2006/relationships" xmlns:p="http://schemas.openxmlformats.org/presentationml/2006/main">
+  <p:cSld>
+    <p:bg>
+      <p:bgPr>
+        <a:blipFill>
+          <a:blip r:embed="rId2"/>
+          <a:tile tx="0" ty="0" sx="100000" sy="100000" flip="none" algn="tl"/>
+        </a:blipFill>
+        <a:effectLst/>
+      </p:bgPr>
+    </p:bg>
+    <p:spTree>
+      <p:nvGrpSpPr>
+        <p:cNvPr id="1" name=""/>
+        <p:cNvGrpSpPr/>
+        <p:nvPr/>
+      </p:nvGrpSpPr>
+      <p:grpSpPr>
+        <a:xfrm>
+          <a:off x="0" y="0"/>
+          <a:ext cx="0" cy="0"/>
+          <a:chOff x="0" y="0"/>
+          <a:chExt cx="0" cy="0"/>
+        </a:xfrm>
+      </p:grpSpPr>
+      <p:sp>
+        <p:nvSpPr>
+          <p:cNvPr id="2" name="タイトル 1"/>
+          <p:cNvSpPr>
+            <a:spLocks noGrp="1"/>
+          </p:cNvSpPr>
+          <p:nvPr>
+            <p:ph type="title"/>
+          </p:nvPr>
+        </p:nvSpPr>
+        <p:spPr/>
+        <p:txBody>
+          <a:bodyPr>
+            <a:normAutofit/>
+          </a:bodyPr>
+          <a:lstStyle/>
+          <a:p>
+            <a:r>
+              <a:rPr kumimoji="1" lang="ja-JP" altLang="en-US" sz="5400" b="1" i="1" u="sng" dirty="0" smtClean="0"/>
+              <a:t>エンジン紹介</a:t>
+            </a:r>
+            <a:endParaRPr kumimoji="1" lang="ja-JP" altLang="en-US" sz="5400" b="1" i="1" u="sng" dirty="0"/>
+          </a:p>
+        </p:txBody>
+      </p:sp>
+      <p:sp>
+        <p:nvSpPr>
+          <p:cNvPr id="3" name="コンテンツ プレースホルダー 2"/>
+          <p:cNvSpPr>
+            <a:spLocks noGrp="1"/>
+          </p:cNvSpPr>
+          <p:nvPr>
+            <p:ph idx="1"/>
+          </p:nvPr>
+        </p:nvSpPr>
+        <p:spPr/>
+        <p:txBody>
+          <a:bodyPr/>
+          <a:lstStyle/>
+          <a:p>
+            <a:pPr marL="0" indent="0">
+              <a:buNone/>
+            </a:pPr>
+            <a:r>
+              <a:rPr kumimoji="1" lang="ja-JP" altLang="en-US" sz="2400" dirty="0" smtClean="0"/>
+              <a:t>就職作品を</a:t>
+            </a:r>
+            <a:r>
+              <a:rPr kumimoji="1" lang="en-US" altLang="ja-JP" sz="2400" dirty="0" smtClean="0"/>
+              <a:t>DirectX11</a:t>
+            </a:r>
+            <a:r>
+              <a:rPr kumimoji="1" lang="ja-JP" altLang="en-US" sz="2400" dirty="0" smtClean="0"/>
+              <a:t>で作っていたのを</a:t>
+            </a:r>
+            <a:r>
+              <a:rPr kumimoji="1" lang="en-US" altLang="ja-JP" sz="2400" dirty="0" smtClean="0"/>
+              <a:t>DirectX12</a:t>
+            </a:r>
+            <a:r>
+              <a:rPr kumimoji="1" lang="ja-JP" altLang="en-US" sz="2400" dirty="0" smtClean="0"/>
+              <a:t>で再現しました</a:t>
+            </a:r>
+            <a:endParaRPr kumimoji="1" lang="en-US" altLang="ja-JP" sz="2400" dirty="0" smtClean="0"/>
+          </a:p>
+          <a:p>
+            <a:pPr>
+              <a:buFont typeface="Wingdings" panose="05000000000000000000" pitchFamily="2" charset="2"/>
+              <a:buChar char="l"/>
+            </a:pPr>
+            <a:r>
+              <a:rPr kumimoji="1" lang="ja-JP" altLang="en-US" dirty="0" smtClean="0"/>
+              <a:t>カスケードシャドウ</a:t>
+            </a:r>
+            <a:endParaRPr kumimoji="1" lang="en-US" altLang="ja-JP" dirty="0" smtClean="0"/>
+          </a:p>
+          <a:p>
+            <a:pPr>
+              <a:buFont typeface="Wingdings" panose="05000000000000000000" pitchFamily="2" charset="2"/>
+              <a:buChar char="l"/>
+            </a:pPr>
+            <a:r>
+              <a:rPr kumimoji="1" lang="ja-JP" altLang="en-US" dirty="0" smtClean="0"/>
+              <a:t>法線マップ</a:t>
+            </a:r>
+            <a:endParaRPr kumimoji="1" lang="en-US" altLang="ja-JP" dirty="0" smtClean="0"/>
+          </a:p>
+          <a:p>
+            <a:pPr marL="0" indent="0">
+              <a:buNone/>
+            </a:pPr>
+            <a:r>
+              <a:rPr lang="ja-JP" altLang="en-US" sz="2400" dirty="0" smtClean="0"/>
+              <a:t>卒業</a:t>
+            </a:r>
+            <a:r>
+              <a:rPr lang="ja-JP" altLang="en-US" sz="2400" dirty="0"/>
+              <a:t>制作</a:t>
+            </a:r>
+            <a:r>
+              <a:rPr lang="ja-JP" altLang="en-US" sz="2400" dirty="0" smtClean="0"/>
+              <a:t>にあたって挑戦したこと</a:t>
+            </a:r>
+            <a:endParaRPr kumimoji="1" lang="en-US" altLang="ja-JP" sz="2400" dirty="0" smtClean="0"/>
+          </a:p>
+          <a:p>
+            <a:pPr>
+              <a:buFont typeface="Wingdings" panose="05000000000000000000" pitchFamily="2" charset="2"/>
+              <a:buChar char="l"/>
+            </a:pPr>
+            <a:r>
+              <a:rPr kumimoji="1" lang="ja-JP" altLang="en-US" dirty="0" smtClean="0"/>
+              <a:t>ディファードレンダリング</a:t>
+            </a:r>
+            <a:endParaRPr kumimoji="1" lang="en-US" altLang="ja-JP" dirty="0" smtClean="0"/>
+          </a:p>
+          <a:p>
+            <a:pPr>
+              <a:buFont typeface="Wingdings" panose="05000000000000000000" pitchFamily="2" charset="2"/>
+              <a:buChar char="l"/>
+            </a:pPr>
+            <a:r>
+              <a:rPr lang="ja-JP" altLang="en-US" dirty="0" smtClean="0"/>
+              <a:t>フォント</a:t>
+            </a:r>
+            <a:endParaRPr kumimoji="1" lang="ja-JP" altLang="en-US" dirty="0"/>
+          </a:p>
+        </p:txBody>
+      </p:sp>
+    </p:spTree>
+    <p:extLst>
+      <p:ext uri="{BB962C8B-B14F-4D97-AF65-F5344CB8AC3E}">
+        <p14:creationId xmlns:p14="http://schemas.microsoft.com/office/powerpoint/2010/main" val="2061552972"/>
       </p:ext>
     </p:extLst>
   </p:cSld>

--- a/卒研発表用プレゼン/卒研発表用プレゼン.pptx
+++ b/卒研発表用プレゼン/卒研発表用プレゼン.pptx
@@ -11,6 +11,7 @@
     <p:sldId id="258" r:id="rId5"/>
     <p:sldId id="259" r:id="rId6"/>
     <p:sldId id="260" r:id="rId7"/>
+    <p:sldId id="262" r:id="rId8"/>
   </p:sldIdLst>
   <p:sldSz cx="12192000" cy="6858000"/>
   <p:notesSz cx="6858000" cy="9144000"/>
@@ -3493,6 +3494,14 @@
             <a:pPr marL="0" indent="0">
               <a:buNone/>
             </a:pPr>
+            <a:r>
+              <a:rPr lang="en-US" altLang="ja-JP" dirty="0" smtClean="0"/>
+              <a:t>3ds </a:t>
+            </a:r>
+            <a:r>
+              <a:rPr lang="en-US" altLang="ja-JP" dirty="0" smtClean="0"/>
+              <a:t>Max 2018</a:t>
+            </a:r>
             <a:endParaRPr lang="ja-JP" altLang="ja-JP" dirty="0"/>
           </a:p>
           <a:p>
@@ -4586,6 +4595,347 @@
     <p:extLst>
       <p:ext uri="{BB962C8B-B14F-4D97-AF65-F5344CB8AC3E}">
         <p14:creationId xmlns:p14="http://schemas.microsoft.com/office/powerpoint/2010/main" val="2061552972"/>
+      </p:ext>
+    </p:extLst>
+  </p:cSld>
+  <p:clrMapOvr>
+    <a:masterClrMapping/>
+  </p:clrMapOvr>
+</p:sld>
+</file>
+
+<file path=ppt/slides/slide7.xml><?xml version="1.0" encoding="utf-8"?>
+<p:sld xmlns:a="http://schemas.openxmlformats.org/drawingml/2006/main" xmlns:r="http://schemas.openxmlformats.org/officeDocument/2006/relationships" xmlns:p="http://schemas.openxmlformats.org/presentationml/2006/main">
+  <p:cSld>
+    <p:bg>
+      <p:bgPr>
+        <a:blipFill>
+          <a:blip r:embed="rId2"/>
+          <a:tile tx="0" ty="0" sx="100000" sy="100000" flip="none" algn="tl"/>
+        </a:blipFill>
+        <a:effectLst/>
+      </p:bgPr>
+    </p:bg>
+    <p:spTree>
+      <p:nvGrpSpPr>
+        <p:cNvPr id="1" name=""/>
+        <p:cNvGrpSpPr/>
+        <p:nvPr/>
+      </p:nvGrpSpPr>
+      <p:grpSpPr>
+        <a:xfrm>
+          <a:off x="0" y="0"/>
+          <a:ext cx="0" cy="0"/>
+          <a:chOff x="0" y="0"/>
+          <a:chExt cx="0" cy="0"/>
+        </a:xfrm>
+      </p:grpSpPr>
+      <p:sp>
+        <p:nvSpPr>
+          <p:cNvPr id="2" name="タイトル 1"/>
+          <p:cNvSpPr>
+            <a:spLocks noGrp="1"/>
+          </p:cNvSpPr>
+          <p:nvPr>
+            <p:ph type="title"/>
+          </p:nvPr>
+        </p:nvSpPr>
+        <p:spPr/>
+        <p:txBody>
+          <a:bodyPr/>
+          <a:lstStyle/>
+          <a:p>
+            <a:r>
+              <a:rPr lang="ja-JP" altLang="en-US" dirty="0" smtClean="0"/>
+              <a:t>ディファードレンダリングとは</a:t>
+            </a:r>
+            <a:endParaRPr kumimoji="1" lang="ja-JP" altLang="en-US" dirty="0"/>
+          </a:p>
+        </p:txBody>
+      </p:sp>
+      <p:sp>
+        <p:nvSpPr>
+          <p:cNvPr id="3" name="コンテンツ プレースホルダー 2"/>
+          <p:cNvSpPr>
+            <a:spLocks noGrp="1"/>
+          </p:cNvSpPr>
+          <p:nvPr>
+            <p:ph idx="1"/>
+          </p:nvPr>
+        </p:nvSpPr>
+        <p:spPr>
+          <a:xfrm>
+            <a:off x="755073" y="1539297"/>
+            <a:ext cx="10515600" cy="852920"/>
+          </a:xfrm>
+        </p:spPr>
+        <p:txBody>
+          <a:bodyPr>
+            <a:normAutofit lnSpcReduction="10000"/>
+          </a:bodyPr>
+          <a:lstStyle/>
+          <a:p>
+            <a:pPr marL="0" indent="0">
+              <a:buNone/>
+            </a:pPr>
+            <a:r>
+              <a:rPr kumimoji="1" lang="ja-JP" altLang="en-US" dirty="0" smtClean="0"/>
+              <a:t>アルベド、深度、法線などの情報をテクスチャにかいてその情報をもとにスクリーン上に描画する方法。</a:t>
+            </a:r>
+            <a:endParaRPr kumimoji="1" lang="en-US" altLang="ja-JP" dirty="0" smtClean="0"/>
+          </a:p>
+          <a:p>
+            <a:pPr marL="0" indent="0">
+              <a:buNone/>
+            </a:pPr>
+            <a:endParaRPr kumimoji="1" lang="ja-JP" altLang="en-US" dirty="0"/>
+          </a:p>
+        </p:txBody>
+      </p:sp>
+      <p:pic>
+        <p:nvPicPr>
+          <p:cNvPr id="4" name="図 3"/>
+          <p:cNvPicPr>
+            <a:picLocks noChangeAspect="1"/>
+          </p:cNvPicPr>
+          <p:nvPr/>
+        </p:nvPicPr>
+        <p:blipFill>
+          <a:blip r:embed="rId3" cstate="print">
+            <a:extLst>
+              <a:ext uri="{28A0092B-C50C-407E-A947-70E740481C1C}">
+                <a14:useLocalDpi xmlns:a14="http://schemas.microsoft.com/office/drawing/2010/main" val="0"/>
+              </a:ext>
+            </a:extLst>
+          </a:blip>
+          <a:stretch>
+            <a:fillRect/>
+          </a:stretch>
+        </p:blipFill>
+        <p:spPr>
+          <a:xfrm>
+            <a:off x="1223127" y="2331618"/>
+            <a:ext cx="2510750" cy="1415003"/>
+          </a:xfrm>
+          <a:prstGeom prst="rect">
+            <a:avLst/>
+          </a:prstGeom>
+        </p:spPr>
+      </p:pic>
+      <p:pic>
+        <p:nvPicPr>
+          <p:cNvPr id="5" name="図 4"/>
+          <p:cNvPicPr>
+            <a:picLocks noChangeAspect="1"/>
+          </p:cNvPicPr>
+          <p:nvPr/>
+        </p:nvPicPr>
+        <p:blipFill>
+          <a:blip r:embed="rId4" cstate="print">
+            <a:extLst>
+              <a:ext uri="{28A0092B-C50C-407E-A947-70E740481C1C}">
+                <a14:useLocalDpi xmlns:a14="http://schemas.microsoft.com/office/drawing/2010/main" val="0"/>
+              </a:ext>
+            </a:extLst>
+          </a:blip>
+          <a:stretch>
+            <a:fillRect/>
+          </a:stretch>
+        </p:blipFill>
+        <p:spPr>
+          <a:xfrm>
+            <a:off x="4395855" y="2331618"/>
+            <a:ext cx="2504502" cy="1415003"/>
+          </a:xfrm>
+          <a:prstGeom prst="rect">
+            <a:avLst/>
+          </a:prstGeom>
+        </p:spPr>
+      </p:pic>
+      <p:pic>
+        <p:nvPicPr>
+          <p:cNvPr id="6" name="図 5"/>
+          <p:cNvPicPr>
+            <a:picLocks noChangeAspect="1"/>
+          </p:cNvPicPr>
+          <p:nvPr/>
+        </p:nvPicPr>
+        <p:blipFill>
+          <a:blip r:embed="rId5" cstate="print">
+            <a:extLst>
+              <a:ext uri="{28A0092B-C50C-407E-A947-70E740481C1C}">
+                <a14:useLocalDpi xmlns:a14="http://schemas.microsoft.com/office/drawing/2010/main" val="0"/>
+              </a:ext>
+            </a:extLst>
+          </a:blip>
+          <a:stretch>
+            <a:fillRect/>
+          </a:stretch>
+        </p:blipFill>
+        <p:spPr>
+          <a:xfrm>
+            <a:off x="7853658" y="2331618"/>
+            <a:ext cx="2537251" cy="1422605"/>
+          </a:xfrm>
+          <a:prstGeom prst="rect">
+            <a:avLst/>
+          </a:prstGeom>
+        </p:spPr>
+      </p:pic>
+      <p:pic>
+        <p:nvPicPr>
+          <p:cNvPr id="7" name="図 6"/>
+          <p:cNvPicPr>
+            <a:picLocks noChangeAspect="1"/>
+          </p:cNvPicPr>
+          <p:nvPr/>
+        </p:nvPicPr>
+        <p:blipFill>
+          <a:blip r:embed="rId6">
+            <a:extLst>
+              <a:ext uri="{28A0092B-C50C-407E-A947-70E740481C1C}">
+                <a14:useLocalDpi xmlns:a14="http://schemas.microsoft.com/office/drawing/2010/main" val="0"/>
+              </a:ext>
+            </a:extLst>
+          </a:blip>
+          <a:stretch>
+            <a:fillRect/>
+          </a:stretch>
+        </p:blipFill>
+        <p:spPr>
+          <a:xfrm>
+            <a:off x="3484495" y="4180715"/>
+            <a:ext cx="4557991" cy="2547976"/>
+          </a:xfrm>
+          <a:prstGeom prst="rect">
+            <a:avLst/>
+          </a:prstGeom>
+        </p:spPr>
+      </p:pic>
+      <p:sp>
+        <p:nvSpPr>
+          <p:cNvPr id="10" name="上矢印 9"/>
+          <p:cNvSpPr/>
+          <p:nvPr/>
+        </p:nvSpPr>
+        <p:spPr>
+          <a:xfrm rot="8099460">
+            <a:off x="2900218" y="3676073"/>
+            <a:ext cx="526473" cy="719080"/>
+          </a:xfrm>
+          <a:prstGeom prst="upArrow">
+            <a:avLst/>
+          </a:prstGeom>
+        </p:spPr>
+        <p:style>
+          <a:lnRef idx="2">
+            <a:schemeClr val="accent1">
+              <a:shade val="50000"/>
+            </a:schemeClr>
+          </a:lnRef>
+          <a:fillRef idx="1">
+            <a:schemeClr val="accent1"/>
+          </a:fillRef>
+          <a:effectRef idx="0">
+            <a:schemeClr val="accent1"/>
+          </a:effectRef>
+          <a:fontRef idx="minor">
+            <a:schemeClr val="lt1"/>
+          </a:fontRef>
+        </p:style>
+        <p:txBody>
+          <a:bodyPr rtlCol="0" anchor="ctr"/>
+          <a:lstStyle/>
+          <a:p>
+            <a:pPr algn="ctr"/>
+            <a:endParaRPr kumimoji="1" lang="ja-JP" altLang="en-US"/>
+          </a:p>
+        </p:txBody>
+      </p:sp>
+      <p:sp>
+        <p:nvSpPr>
+          <p:cNvPr id="11" name="下矢印 10"/>
+          <p:cNvSpPr/>
+          <p:nvPr/>
+        </p:nvSpPr>
+        <p:spPr>
+          <a:xfrm>
+            <a:off x="5472472" y="3711306"/>
+            <a:ext cx="512549" cy="721749"/>
+          </a:xfrm>
+          <a:prstGeom prst="downArrow">
+            <a:avLst/>
+          </a:prstGeom>
+        </p:spPr>
+        <p:style>
+          <a:lnRef idx="2">
+            <a:schemeClr val="accent1">
+              <a:shade val="50000"/>
+            </a:schemeClr>
+          </a:lnRef>
+          <a:fillRef idx="1">
+            <a:schemeClr val="accent1"/>
+          </a:fillRef>
+          <a:effectRef idx="0">
+            <a:schemeClr val="accent1"/>
+          </a:effectRef>
+          <a:fontRef idx="minor">
+            <a:schemeClr val="lt1"/>
+          </a:fontRef>
+        </p:style>
+        <p:txBody>
+          <a:bodyPr rtlCol="0" anchor="ctr"/>
+          <a:lstStyle/>
+          <a:p>
+            <a:pPr algn="ctr"/>
+            <a:endParaRPr kumimoji="1" lang="ja-JP" altLang="en-US"/>
+          </a:p>
+        </p:txBody>
+      </p:sp>
+      <p:sp>
+        <p:nvSpPr>
+          <p:cNvPr id="12" name="下矢印 11"/>
+          <p:cNvSpPr/>
+          <p:nvPr/>
+        </p:nvSpPr>
+        <p:spPr>
+          <a:xfrm rot="2409157">
+            <a:off x="8020189" y="3674399"/>
+            <a:ext cx="591558" cy="701964"/>
+          </a:xfrm>
+          <a:prstGeom prst="downArrow">
+            <a:avLst/>
+          </a:prstGeom>
+        </p:spPr>
+        <p:style>
+          <a:lnRef idx="2">
+            <a:schemeClr val="accent1">
+              <a:shade val="50000"/>
+            </a:schemeClr>
+          </a:lnRef>
+          <a:fillRef idx="1">
+            <a:schemeClr val="accent1"/>
+          </a:fillRef>
+          <a:effectRef idx="0">
+            <a:schemeClr val="accent1"/>
+          </a:effectRef>
+          <a:fontRef idx="minor">
+            <a:schemeClr val="lt1"/>
+          </a:fontRef>
+        </p:style>
+        <p:txBody>
+          <a:bodyPr rtlCol="0" anchor="ctr"/>
+          <a:lstStyle/>
+          <a:p>
+            <a:pPr algn="ctr"/>
+            <a:endParaRPr kumimoji="1" lang="ja-JP" altLang="en-US"/>
+          </a:p>
+        </p:txBody>
+      </p:sp>
+    </p:spTree>
+    <p:extLst>
+      <p:ext uri="{BB962C8B-B14F-4D97-AF65-F5344CB8AC3E}">
+        <p14:creationId xmlns:p14="http://schemas.microsoft.com/office/powerpoint/2010/main" val="1310215266"/>
       </p:ext>
     </p:extLst>
   </p:cSld>
